--- a/Docker-Deployment-on-AWS-EC2.pptx
+++ b/Docker-Deployment-on-AWS-EC2.pptx
@@ -5,17 +5,18 @@
     <p:sldMasterId id="2147483648" r:id="rId1"/>
   </p:sldMasterIdLst>
   <p:notesMasterIdLst>
-    <p:notesMasterId r:id="rId10"/>
+    <p:notesMasterId r:id="rId11"/>
   </p:notesMasterIdLst>
   <p:sldIdLst>
-    <p:sldId id="256" r:id="rId2"/>
-    <p:sldId id="257" r:id="rId3"/>
-    <p:sldId id="258" r:id="rId4"/>
-    <p:sldId id="259" r:id="rId5"/>
-    <p:sldId id="260" r:id="rId6"/>
-    <p:sldId id="261" r:id="rId7"/>
-    <p:sldId id="262" r:id="rId8"/>
-    <p:sldId id="263" r:id="rId9"/>
+    <p:sldId id="264" r:id="rId2"/>
+    <p:sldId id="256" r:id="rId3"/>
+    <p:sldId id="257" r:id="rId4"/>
+    <p:sldId id="258" r:id="rId5"/>
+    <p:sldId id="259" r:id="rId6"/>
+    <p:sldId id="260" r:id="rId7"/>
+    <p:sldId id="261" r:id="rId8"/>
+    <p:sldId id="262" r:id="rId9"/>
+    <p:sldId id="263" r:id="rId10"/>
   </p:sldIdLst>
   <p:sldSz cx="14630400" cy="8229600"/>
   <p:notesSz cx="8229600" cy="14630400"/>
@@ -196,7 +197,7 @@
           <a:p>
             <a:fld id="{0E21634A-A63B-4EC2-A0B9-A9195089A1C7}" type="datetimeFigureOut">
               <a:rPr lang="en-IN" smtClean="0"/>
-              <a:t>26-04-2024</a:t>
+              <a:t>04-05-2024</a:t>
             </a:fld>
             <a:endParaRPr lang="en-IN"/>
           </a:p>
@@ -529,7 +530,7 @@
           <a:p>
             <a:fld id="{F7021451-1387-4CA6-816F-3879F97B5CBC}" type="slidenum">
               <a:rPr lang="en-US"/>
-              <a:t>1</a:t>
+              <a:t>2</a:t>
             </a:fld>
             <a:endParaRPr lang="en-US"/>
           </a:p>
@@ -613,7 +614,7 @@
           <a:p>
             <a:fld id="{F7021451-1387-4CA6-816F-3879F97B5CBC}" type="slidenum">
               <a:rPr lang="en-US"/>
-              <a:t>2</a:t>
+              <a:t>3</a:t>
             </a:fld>
             <a:endParaRPr lang="en-US"/>
           </a:p>
@@ -697,7 +698,7 @@
           <a:p>
             <a:fld id="{F7021451-1387-4CA6-816F-3879F97B5CBC}" type="slidenum">
               <a:rPr lang="en-US"/>
-              <a:t>3</a:t>
+              <a:t>4</a:t>
             </a:fld>
             <a:endParaRPr lang="en-US"/>
           </a:p>
@@ -781,7 +782,7 @@
           <a:p>
             <a:fld id="{F7021451-1387-4CA6-816F-3879F97B5CBC}" type="slidenum">
               <a:rPr lang="en-US"/>
-              <a:t>4</a:t>
+              <a:t>5</a:t>
             </a:fld>
             <a:endParaRPr lang="en-US"/>
           </a:p>
@@ -865,7 +866,7 @@
           <a:p>
             <a:fld id="{F7021451-1387-4CA6-816F-3879F97B5CBC}" type="slidenum">
               <a:rPr lang="en-US"/>
-              <a:t>5</a:t>
+              <a:t>6</a:t>
             </a:fld>
             <a:endParaRPr lang="en-US"/>
           </a:p>
@@ -949,7 +950,7 @@
           <a:p>
             <a:fld id="{F7021451-1387-4CA6-816F-3879F97B5CBC}" type="slidenum">
               <a:rPr lang="en-US"/>
-              <a:t>6</a:t>
+              <a:t>7</a:t>
             </a:fld>
             <a:endParaRPr lang="en-US"/>
           </a:p>
@@ -1033,7 +1034,7 @@
           <a:p>
             <a:fld id="{F7021451-1387-4CA6-816F-3879F97B5CBC}" type="slidenum">
               <a:rPr lang="en-US"/>
-              <a:t>7</a:t>
+              <a:t>8</a:t>
             </a:fld>
             <a:endParaRPr lang="en-US"/>
           </a:p>
@@ -1117,7 +1118,7 @@
           <a:p>
             <a:fld id="{F7021451-1387-4CA6-816F-3879F97B5CBC}" type="slidenum">
               <a:rPr lang="en-US"/>
-              <a:t>8</a:t>
+              <a:t>9</a:t>
             </a:fld>
             <a:endParaRPr lang="en-US"/>
           </a:p>
@@ -1450,6 +1451,457 @@
 
 <file path=ppt/slides/slide1.xml><?xml version="1.0" encoding="utf-8"?>
 <p:sld xmlns:a="http://schemas.openxmlformats.org/drawingml/2006/main" xmlns:r="http://schemas.openxmlformats.org/officeDocument/2006/relationships" xmlns:p="http://schemas.openxmlformats.org/presentationml/2006/main">
+  <p:cSld>
+    <p:spTree>
+      <p:nvGrpSpPr>
+        <p:cNvPr id="1" name=""/>
+        <p:cNvGrpSpPr/>
+        <p:nvPr/>
+      </p:nvGrpSpPr>
+      <p:grpSpPr>
+        <a:xfrm>
+          <a:off x="0" y="0"/>
+          <a:ext cx="0" cy="0"/>
+          <a:chOff x="0" y="0"/>
+          <a:chExt cx="0" cy="0"/>
+        </a:xfrm>
+      </p:grpSpPr>
+      <p:pic>
+        <p:nvPicPr>
+          <p:cNvPr id="3" name="图片 3"/>
+          <p:cNvPicPr>
+            <a:picLocks noChangeAspect="1"/>
+          </p:cNvPicPr>
+          <p:nvPr/>
+        </p:nvPicPr>
+        <p:blipFill rotWithShape="1">
+          <a:blip r:embed="rId2" cstate="print"/>
+          <a:srcRect l="8133" r="5703" b="26169"/>
+          <a:stretch>
+            <a:fillRect/>
+          </a:stretch>
+        </p:blipFill>
+        <p:spPr>
+          <a:xfrm>
+            <a:off x="351691" y="355713"/>
+            <a:ext cx="5988677" cy="7546309"/>
+          </a:xfrm>
+          <a:prstGeom prst="rect">
+            <a:avLst/>
+          </a:prstGeom>
+        </p:spPr>
+      </p:pic>
+      <p:sp>
+        <p:nvSpPr>
+          <p:cNvPr id="4" name="Subtitle 7">
+            <a:extLst>
+              <a:ext uri="{FF2B5EF4-FFF2-40B4-BE49-F238E27FC236}">
+                <a16:creationId xmlns:a16="http://schemas.microsoft.com/office/drawing/2014/main" xmlns="" xmlns:lc="http://schemas.openxmlformats.org/drawingml/2006/lockedCanvas" id="{6BBE0348-1527-4055-BA8A-E2754222743D}"/>
+              </a:ext>
+            </a:extLst>
+          </p:cNvPr>
+          <p:cNvSpPr>
+            <a:spLocks noGrp="1"/>
+          </p:cNvSpPr>
+          <p:nvPr/>
+        </p:nvSpPr>
+        <p:spPr>
+          <a:xfrm>
+            <a:off x="7114359" y="3736121"/>
+            <a:ext cx="6592078" cy="2276668"/>
+          </a:xfrm>
+          <a:prstGeom prst="rect">
+            <a:avLst/>
+          </a:prstGeom>
+        </p:spPr>
+        <p:txBody>
+          <a:bodyPr vert="horz" lIns="91440" tIns="45720" rIns="91440" bIns="45720" rtlCol="0" anchor="b">
+            <a:normAutofit/>
+          </a:bodyPr>
+          <a:lstStyle>
+            <a:lvl1pPr marL="0" indent="0" algn="l" defTabSz="914400" rtl="0" eaLnBrk="1" latinLnBrk="0" hangingPunct="1">
+              <a:lnSpc>
+                <a:spcPct val="110000"/>
+              </a:lnSpc>
+              <a:spcBef>
+                <a:spcPts val="1000"/>
+              </a:spcBef>
+              <a:buFont typeface="Arial" panose="020B0604020202020204" pitchFamily="34" charset="0"/>
+              <a:buNone/>
+              <a:defRPr sz="2800" b="1" kern="1200" spc="-20" baseline="0">
+                <a:solidFill>
+                  <a:schemeClr val="bg1"/>
+                </a:solidFill>
+                <a:latin typeface="+mn-lt"/>
+                <a:ea typeface="+mn-ea"/>
+                <a:cs typeface="+mn-cs"/>
+              </a:defRPr>
+            </a:lvl1pPr>
+            <a:lvl2pPr marL="685800" indent="-228600" algn="l" defTabSz="914400" rtl="0" eaLnBrk="1" latinLnBrk="0" hangingPunct="1">
+              <a:lnSpc>
+                <a:spcPct val="110000"/>
+              </a:lnSpc>
+              <a:spcBef>
+                <a:spcPts val="500"/>
+              </a:spcBef>
+              <a:buFont typeface="Arial" panose="020B0604020202020204" pitchFamily="34" charset="0"/>
+              <a:buChar char="•"/>
+              <a:defRPr sz="2000" kern="1200" spc="-20" baseline="0">
+                <a:solidFill>
+                  <a:schemeClr val="tx1"/>
+                </a:solidFill>
+                <a:latin typeface="+mn-lt"/>
+                <a:ea typeface="+mn-ea"/>
+                <a:cs typeface="+mn-cs"/>
+              </a:defRPr>
+            </a:lvl2pPr>
+            <a:lvl3pPr marL="1143000" indent="-228600" algn="l" defTabSz="914400" rtl="0" eaLnBrk="1" latinLnBrk="0" hangingPunct="1">
+              <a:lnSpc>
+                <a:spcPct val="110000"/>
+              </a:lnSpc>
+              <a:spcBef>
+                <a:spcPts val="500"/>
+              </a:spcBef>
+              <a:buFont typeface="Arial" panose="020B0604020202020204" pitchFamily="34" charset="0"/>
+              <a:buChar char="•"/>
+              <a:defRPr sz="1800" kern="1200" spc="-20" baseline="0">
+                <a:solidFill>
+                  <a:schemeClr val="tx1"/>
+                </a:solidFill>
+                <a:latin typeface="+mn-lt"/>
+                <a:ea typeface="+mn-ea"/>
+                <a:cs typeface="+mn-cs"/>
+              </a:defRPr>
+            </a:lvl3pPr>
+            <a:lvl4pPr marL="1600200" indent="-228600" algn="l" defTabSz="914400" rtl="0" eaLnBrk="1" latinLnBrk="0" hangingPunct="1">
+              <a:lnSpc>
+                <a:spcPct val="110000"/>
+              </a:lnSpc>
+              <a:spcBef>
+                <a:spcPts val="500"/>
+              </a:spcBef>
+              <a:buFont typeface="Arial" panose="020B0604020202020204" pitchFamily="34" charset="0"/>
+              <a:buChar char="•"/>
+              <a:defRPr sz="1600" kern="1200" spc="-20" baseline="0">
+                <a:solidFill>
+                  <a:schemeClr val="tx1"/>
+                </a:solidFill>
+                <a:latin typeface="+mn-lt"/>
+                <a:ea typeface="+mn-ea"/>
+                <a:cs typeface="+mn-cs"/>
+              </a:defRPr>
+            </a:lvl4pPr>
+            <a:lvl5pPr marL="2057400" indent="-228600" algn="l" defTabSz="914400" rtl="0" eaLnBrk="1" latinLnBrk="0" hangingPunct="1">
+              <a:lnSpc>
+                <a:spcPct val="110000"/>
+              </a:lnSpc>
+              <a:spcBef>
+                <a:spcPts val="500"/>
+              </a:spcBef>
+              <a:buFont typeface="Arial" panose="020B0604020202020204" pitchFamily="34" charset="0"/>
+              <a:buChar char="•"/>
+              <a:defRPr sz="1600" kern="1200" spc="-20" baseline="0">
+                <a:solidFill>
+                  <a:schemeClr val="tx1"/>
+                </a:solidFill>
+                <a:latin typeface="+mn-lt"/>
+                <a:ea typeface="+mn-ea"/>
+                <a:cs typeface="+mn-cs"/>
+              </a:defRPr>
+            </a:lvl5pPr>
+            <a:lvl6pPr marL="2514600" indent="-228600" algn="l" defTabSz="914400" rtl="0" eaLnBrk="1" latinLnBrk="0" hangingPunct="1">
+              <a:lnSpc>
+                <a:spcPct val="90000"/>
+              </a:lnSpc>
+              <a:spcBef>
+                <a:spcPts val="500"/>
+              </a:spcBef>
+              <a:buFont typeface="Arial" panose="020B0604020202020204" pitchFamily="34" charset="0"/>
+              <a:buChar char="•"/>
+              <a:defRPr sz="1800" kern="1200">
+                <a:solidFill>
+                  <a:schemeClr val="tx1"/>
+                </a:solidFill>
+                <a:latin typeface="+mn-lt"/>
+                <a:ea typeface="+mn-ea"/>
+                <a:cs typeface="+mn-cs"/>
+              </a:defRPr>
+            </a:lvl6pPr>
+            <a:lvl7pPr marL="2971800" indent="-228600" algn="l" defTabSz="914400" rtl="0" eaLnBrk="1" latinLnBrk="0" hangingPunct="1">
+              <a:lnSpc>
+                <a:spcPct val="90000"/>
+              </a:lnSpc>
+              <a:spcBef>
+                <a:spcPts val="500"/>
+              </a:spcBef>
+              <a:buFont typeface="Arial" panose="020B0604020202020204" pitchFamily="34" charset="0"/>
+              <a:buChar char="•"/>
+              <a:defRPr sz="1800" kern="1200">
+                <a:solidFill>
+                  <a:schemeClr val="tx1"/>
+                </a:solidFill>
+                <a:latin typeface="+mn-lt"/>
+                <a:ea typeface="+mn-ea"/>
+                <a:cs typeface="+mn-cs"/>
+              </a:defRPr>
+            </a:lvl7pPr>
+            <a:lvl8pPr marL="3429000" indent="-228600" algn="l" defTabSz="914400" rtl="0" eaLnBrk="1" latinLnBrk="0" hangingPunct="1">
+              <a:lnSpc>
+                <a:spcPct val="90000"/>
+              </a:lnSpc>
+              <a:spcBef>
+                <a:spcPts val="500"/>
+              </a:spcBef>
+              <a:buFont typeface="Arial" panose="020B0604020202020204" pitchFamily="34" charset="0"/>
+              <a:buChar char="•"/>
+              <a:defRPr sz="1800" kern="1200">
+                <a:solidFill>
+                  <a:schemeClr val="tx1"/>
+                </a:solidFill>
+                <a:latin typeface="+mn-lt"/>
+                <a:ea typeface="+mn-ea"/>
+                <a:cs typeface="+mn-cs"/>
+              </a:defRPr>
+            </a:lvl8pPr>
+            <a:lvl9pPr marL="3886200" indent="-228600" algn="l" defTabSz="914400" rtl="0" eaLnBrk="1" latinLnBrk="0" hangingPunct="1">
+              <a:lnSpc>
+                <a:spcPct val="90000"/>
+              </a:lnSpc>
+              <a:spcBef>
+                <a:spcPts val="500"/>
+              </a:spcBef>
+              <a:buFont typeface="Arial" panose="020B0604020202020204" pitchFamily="34" charset="0"/>
+              <a:buChar char="•"/>
+              <a:defRPr sz="1800" kern="1200">
+                <a:solidFill>
+                  <a:schemeClr val="tx1"/>
+                </a:solidFill>
+                <a:latin typeface="+mn-lt"/>
+                <a:ea typeface="+mn-ea"/>
+                <a:cs typeface="+mn-cs"/>
+              </a:defRPr>
+            </a:lvl9pPr>
+          </a:lstStyle>
+          <a:p>
+            <a:pPr>
+              <a:lnSpc>
+                <a:spcPct val="100000"/>
+              </a:lnSpc>
+            </a:pPr>
+            <a:r>
+              <a:rPr lang="en-US" sz="2400" b="0" dirty="0">
+                <a:solidFill>
+                  <a:schemeClr val="tx1"/>
+                </a:solidFill>
+                <a:latin typeface="Times New Roman" panose="02020603050405020304" pitchFamily="18" charset="0"/>
+                <a:cs typeface="Times New Roman" panose="02020603050405020304" pitchFamily="18" charset="0"/>
+              </a:rPr>
+              <a:t>Name:- Soumya Ranjan Nayak</a:t>
+            </a:r>
+          </a:p>
+          <a:p>
+            <a:pPr>
+              <a:lnSpc>
+                <a:spcPct val="100000"/>
+              </a:lnSpc>
+            </a:pPr>
+            <a:r>
+              <a:rPr lang="en-US" sz="2400" b="0" dirty="0">
+                <a:solidFill>
+                  <a:schemeClr val="tx1"/>
+                </a:solidFill>
+                <a:latin typeface="Times New Roman" panose="02020603050405020304" pitchFamily="18" charset="0"/>
+                <a:cs typeface="Times New Roman" panose="02020603050405020304" pitchFamily="18" charset="0"/>
+              </a:rPr>
+              <a:t>Reg.no:- 200301120175</a:t>
+            </a:r>
+          </a:p>
+          <a:p>
+            <a:pPr>
+              <a:lnSpc>
+                <a:spcPct val="100000"/>
+              </a:lnSpc>
+            </a:pPr>
+            <a:r>
+              <a:rPr lang="en-US" sz="2400" b="0" dirty="0">
+                <a:solidFill>
+                  <a:schemeClr val="tx1"/>
+                </a:solidFill>
+                <a:latin typeface="Times New Roman" panose="02020603050405020304" pitchFamily="18" charset="0"/>
+                <a:cs typeface="Times New Roman" panose="02020603050405020304" pitchFamily="18" charset="0"/>
+              </a:rPr>
+              <a:t>Branch:- CSE </a:t>
+            </a:r>
+          </a:p>
+          <a:p>
+            <a:pPr>
+              <a:lnSpc>
+                <a:spcPct val="100000"/>
+              </a:lnSpc>
+            </a:pPr>
+            <a:r>
+              <a:rPr lang="en-US" sz="2400" b="0" dirty="0">
+                <a:solidFill>
+                  <a:schemeClr val="tx1"/>
+                </a:solidFill>
+                <a:latin typeface="Times New Roman" panose="02020603050405020304" pitchFamily="18" charset="0"/>
+                <a:cs typeface="Times New Roman" panose="02020603050405020304" pitchFamily="18" charset="0"/>
+              </a:rPr>
+              <a:t>Sem:- </a:t>
+            </a:r>
+            <a:r>
+              <a:rPr lang="en-US" sz="2400" b="0" dirty="0" smtClean="0">
+                <a:solidFill>
+                  <a:schemeClr val="tx1"/>
+                </a:solidFill>
+                <a:latin typeface="Times New Roman" panose="02020603050405020304" pitchFamily="18" charset="0"/>
+                <a:cs typeface="Times New Roman" panose="02020603050405020304" pitchFamily="18" charset="0"/>
+              </a:rPr>
+              <a:t>8th</a:t>
+            </a:r>
+            <a:endParaRPr lang="en-US" sz="2400" b="0" dirty="0">
+              <a:solidFill>
+                <a:schemeClr val="tx1"/>
+              </a:solidFill>
+              <a:latin typeface="Times New Roman" panose="02020603050405020304" pitchFamily="18" charset="0"/>
+              <a:cs typeface="Times New Roman" panose="02020603050405020304" pitchFamily="18" charset="0"/>
+            </a:endParaRPr>
+          </a:p>
+        </p:txBody>
+      </p:sp>
+      <p:sp>
+        <p:nvSpPr>
+          <p:cNvPr id="5" name="Rectangle 4"/>
+          <p:cNvSpPr/>
+          <p:nvPr/>
+        </p:nvSpPr>
+        <p:spPr>
+          <a:xfrm>
+            <a:off x="6760170" y="717924"/>
+            <a:ext cx="6972678" cy="933910"/>
+          </a:xfrm>
+          <a:prstGeom prst="rect">
+            <a:avLst/>
+          </a:prstGeom>
+        </p:spPr>
+        <p:txBody>
+          <a:bodyPr wrap="none">
+            <a:spAutoFit/>
+          </a:bodyPr>
+          <a:lstStyle/>
+          <a:p>
+            <a:pPr>
+              <a:lnSpc>
+                <a:spcPts val="7545"/>
+              </a:lnSpc>
+            </a:pPr>
+            <a:r>
+              <a:rPr lang="en-US" sz="4000" b="1" kern="0" spc="-181" dirty="0">
+                <a:solidFill>
+                  <a:srgbClr val="000000"/>
+                </a:solidFill>
+                <a:latin typeface="Times New Roman" pitchFamily="18" charset="0"/>
+                <a:ea typeface="Inter" pitchFamily="34" charset="-122"/>
+                <a:cs typeface="Times New Roman" pitchFamily="18" charset="0"/>
+              </a:rPr>
+              <a:t>Docker Deployment on AWS EC2</a:t>
+            </a:r>
+            <a:endParaRPr lang="en-US" sz="4000" dirty="0">
+              <a:latin typeface="Times New Roman" pitchFamily="18" charset="0"/>
+              <a:cs typeface="Times New Roman" pitchFamily="18" charset="0"/>
+            </a:endParaRPr>
+          </a:p>
+        </p:txBody>
+      </p:sp>
+      <p:sp>
+        <p:nvSpPr>
+          <p:cNvPr id="6" name="Rectangle 5"/>
+          <p:cNvSpPr/>
+          <p:nvPr/>
+        </p:nvSpPr>
+        <p:spPr>
+          <a:xfrm>
+            <a:off x="8617824" y="2106582"/>
+            <a:ext cx="3585149" cy="400110"/>
+          </a:xfrm>
+          <a:prstGeom prst="rect">
+            <a:avLst/>
+          </a:prstGeom>
+        </p:spPr>
+        <p:txBody>
+          <a:bodyPr wrap="none">
+            <a:spAutoFit/>
+          </a:bodyPr>
+          <a:lstStyle/>
+          <a:p>
+            <a:r>
+              <a:rPr lang="en-IN" sz="2000" b="1" dirty="0"/>
+              <a:t>MINOR </a:t>
+            </a:r>
+            <a:r>
+              <a:rPr lang="en-IN" sz="2000" b="1" dirty="0" smtClean="0"/>
+              <a:t>PROJECT  II (CUTM1577)</a:t>
+            </a:r>
+            <a:endParaRPr lang="en-IN" sz="2000" b="1" dirty="0"/>
+          </a:p>
+        </p:txBody>
+      </p:sp>
+      <p:sp>
+        <p:nvSpPr>
+          <p:cNvPr id="7" name="Rectangle 6"/>
+          <p:cNvSpPr/>
+          <p:nvPr/>
+        </p:nvSpPr>
+        <p:spPr>
+          <a:xfrm>
+            <a:off x="7306468" y="7150740"/>
+            <a:ext cx="4739824" cy="461665"/>
+          </a:xfrm>
+          <a:prstGeom prst="rect">
+            <a:avLst/>
+          </a:prstGeom>
+        </p:spPr>
+        <p:txBody>
+          <a:bodyPr wrap="none">
+            <a:spAutoFit/>
+          </a:bodyPr>
+          <a:lstStyle/>
+          <a:p>
+            <a:r>
+              <a:rPr lang="en-IN" sz="2400" dirty="0"/>
+              <a:t>Guided by:- Prof. </a:t>
+            </a:r>
+            <a:r>
+              <a:rPr lang="en-IN" sz="2400" dirty="0" err="1"/>
+              <a:t>Rajkumar</a:t>
+            </a:r>
+            <a:r>
+              <a:rPr lang="en-IN" sz="2400" dirty="0"/>
+              <a:t> </a:t>
+            </a:r>
+            <a:r>
+              <a:rPr lang="en-IN" sz="2400" dirty="0" err="1"/>
+              <a:t>Mohanta</a:t>
+            </a:r>
+            <a:endParaRPr lang="en-IN" sz="2400" dirty="0"/>
+          </a:p>
+        </p:txBody>
+      </p:sp>
+    </p:spTree>
+    <p:extLst>
+      <p:ext uri="{BB962C8B-B14F-4D97-AF65-F5344CB8AC3E}">
+        <p14:creationId xmlns:p14="http://schemas.microsoft.com/office/powerpoint/2010/main" val="2648064119"/>
+      </p:ext>
+    </p:extLst>
+  </p:cSld>
+  <p:clrMapOvr>
+    <a:masterClrMapping/>
+  </p:clrMapOvr>
+</p:sld>
+</file>
+
+<file path=ppt/slides/slide2.xml><?xml version="1.0" encoding="utf-8"?>
+<p:sld xmlns:a="http://schemas.openxmlformats.org/drawingml/2006/main" xmlns:r="http://schemas.openxmlformats.org/officeDocument/2006/relationships" xmlns:p="http://schemas.openxmlformats.org/presentationml/2006/main">
   <p:cSld name="Slide 1">
     <p:spTree>
       <p:nvGrpSpPr>
@@ -1599,7 +2051,7 @@
               <a:buNone/>
             </a:pPr>
             <a:r>
-              <a:rPr lang="en-US" sz="1750" kern="0" spc="-35" dirty="0" err="1" smtClean="0">
+              <a:rPr lang="en-US" sz="1750" kern="0" spc="-35" dirty="0" smtClean="0">
                 <a:solidFill>
                   <a:srgbClr val="272525"/>
                 </a:solidFill>
@@ -1607,18 +2059,7 @@
                 <a:ea typeface="Inter" pitchFamily="34" charset="-122"/>
                 <a:cs typeface="Inter" pitchFamily="34" charset="-120"/>
               </a:rPr>
-              <a:t>Docker</a:t>
-            </a:r>
-            <a:r>
-              <a:rPr lang="en-US" sz="1750" kern="0" spc="-35" dirty="0" smtClean="0">
-                <a:solidFill>
-                  <a:srgbClr val="272525"/>
-                </a:solidFill>
-                <a:latin typeface="Inter" pitchFamily="34" charset="0"/>
-                <a:ea typeface="Inter" pitchFamily="34" charset="-122"/>
-                <a:cs typeface="Inter" pitchFamily="34" charset="-120"/>
-              </a:rPr>
-              <a:t> </a:t>
+              <a:t>Docker </a:t>
             </a:r>
             <a:r>
               <a:rPr lang="en-US" sz="1750" kern="0" spc="-35" dirty="0">
@@ -1776,7 +2217,7 @@
 </p:sld>
 </file>
 
-<file path=ppt/slides/slide2.xml><?xml version="1.0" encoding="utf-8"?>
+<file path=ppt/slides/slide3.xml><?xml version="1.0" encoding="utf-8"?>
 <p:sld xmlns:a="http://schemas.openxmlformats.org/drawingml/2006/main" xmlns:r="http://schemas.openxmlformats.org/officeDocument/2006/relationships" xmlns:p="http://schemas.openxmlformats.org/presentationml/2006/main">
   <p:cSld name="Slide 2">
     <p:spTree>
@@ -2135,7 +2576,7 @@
 </p:sld>
 </file>
 
-<file path=ppt/slides/slide3.xml><?xml version="1.0" encoding="utf-8"?>
+<file path=ppt/slides/slide4.xml><?xml version="1.0" encoding="utf-8"?>
 <p:sld xmlns:a="http://schemas.openxmlformats.org/drawingml/2006/main" xmlns:r="http://schemas.openxmlformats.org/officeDocument/2006/relationships" xmlns:p="http://schemas.openxmlformats.org/presentationml/2006/main">
   <p:cSld name="Slide 3">
     <p:spTree>
@@ -2813,7 +3254,7 @@
 </p:sld>
 </file>
 
-<file path=ppt/slides/slide4.xml><?xml version="1.0" encoding="utf-8"?>
+<file path=ppt/slides/slide5.xml><?xml version="1.0" encoding="utf-8"?>
 <p:sld xmlns:a="http://schemas.openxmlformats.org/drawingml/2006/main" xmlns:r="http://schemas.openxmlformats.org/officeDocument/2006/relationships" xmlns:p="http://schemas.openxmlformats.org/presentationml/2006/main">
   <p:cSld name="Slide 4">
     <p:spTree>
@@ -3277,7 +3718,7 @@
 </p:sld>
 </file>
 
-<file path=ppt/slides/slide5.xml><?xml version="1.0" encoding="utf-8"?>
+<file path=ppt/slides/slide6.xml><?xml version="1.0" encoding="utf-8"?>
 <p:sld xmlns:a="http://schemas.openxmlformats.org/drawingml/2006/main" xmlns:r="http://schemas.openxmlformats.org/officeDocument/2006/relationships" xmlns:p="http://schemas.openxmlformats.org/presentationml/2006/main">
   <p:cSld name="Slide 5">
     <p:spTree>
@@ -3816,7 +4257,7 @@
 </p:sld>
 </file>
 
-<file path=ppt/slides/slide6.xml><?xml version="1.0" encoding="utf-8"?>
+<file path=ppt/slides/slide7.xml><?xml version="1.0" encoding="utf-8"?>
 <p:sld xmlns:a="http://schemas.openxmlformats.org/drawingml/2006/main" xmlns:r="http://schemas.openxmlformats.org/officeDocument/2006/relationships" xmlns:p="http://schemas.openxmlformats.org/presentationml/2006/main">
   <p:cSld name="Slide 6">
     <p:spTree>
@@ -4247,7 +4688,7 @@
 </p:sld>
 </file>
 
-<file path=ppt/slides/slide7.xml><?xml version="1.0" encoding="utf-8"?>
+<file path=ppt/slides/slide8.xml><?xml version="1.0" encoding="utf-8"?>
 <p:sld xmlns:a="http://schemas.openxmlformats.org/drawingml/2006/main" xmlns:r="http://schemas.openxmlformats.org/officeDocument/2006/relationships" xmlns:p="http://schemas.openxmlformats.org/presentationml/2006/main">
   <p:cSld name="Slide 7">
     <p:spTree>
@@ -4837,7 +5278,7 @@
 </p:sld>
 </file>
 
-<file path=ppt/slides/slide8.xml><?xml version="1.0" encoding="utf-8"?>
+<file path=ppt/slides/slide9.xml><?xml version="1.0" encoding="utf-8"?>
 <p:sld xmlns:a="http://schemas.openxmlformats.org/drawingml/2006/main" xmlns:r="http://schemas.openxmlformats.org/officeDocument/2006/relationships" xmlns:p="http://schemas.openxmlformats.org/presentationml/2006/main">
   <p:cSld name="Slide 8">
     <p:spTree>
@@ -5578,7 +6019,7 @@
   <a:extraClrSchemeLst/>
   <a:extLst>
     <a:ext uri="{05A4C25C-085E-4340-85A3-A5531E510DB2}">
-      <thm15:themeFamily xmlns:thm15="http://schemas.microsoft.com/office/thememl/2012/main" xmlns="" name="Office Theme" id="{62F939B6-93AF-4DB8-9C6B-D6C7DFDC589F}" vid="{4A3C46E8-61CC-4603-A589-7422A47A8E4A}"/>
+      <thm15:themeFamily xmlns="" xmlns:thm15="http://schemas.microsoft.com/office/thememl/2012/main" name="Office Theme" id="{62F939B6-93AF-4DB8-9C6B-D6C7DFDC589F}" vid="{4A3C46E8-61CC-4603-A589-7422A47A8E4A}"/>
     </a:ext>
   </a:extLst>
 </a:theme>
